--- a/03_parameters/03_Parameters.pptx
+++ b/03_parameters/03_Parameters.pptx
@@ -4844,8 +4844,21 @@
           <a:p>
             <a:r>
               <a:rPr lang="en-US" dirty="0"/>
-              <a:t>Q6: Roughly 3.6%, using BINOM.DIST(29, 500, &lt;answer to Q5&gt;, TRUE). Note looking for FEWER than 30, not less than or equal to</a:t>
-            </a:r>
+              <a:t>Q6: Roughly 3.6%, using BINOM.DIST(29, 500, &lt;answer to Q5&gt;, TRUE). </a:t>
+            </a:r>
+            <a:r>
+              <a:rPr lang="en-US"/>
+              <a:t>Note: </a:t>
+            </a:r>
+            <a:r>
+              <a:rPr lang="en-US" dirty="0"/>
+              <a:t>looking for FEWER than 30, not less than or </a:t>
+            </a:r>
+            <a:r>
+              <a:rPr lang="en-US"/>
+              <a:t>equal to 30</a:t>
+            </a:r>
+            <a:endParaRPr lang="en-US" dirty="0"/>
           </a:p>
         </p:txBody>
       </p:sp>
